--- a/presentation/Caching Patterns Overview.pptx
+++ b/presentation/Caching Patterns Overview.pptx
@@ -113,6 +113,11 @@
       </a:defRPr>
     </a:lvl9pPr>
   </p:defaultTextStyle>
+  <p:extLst>
+    <p:ext uri="{EFAFB233-063F-42B5-8137-9DF3F51BA10A}">
+      <p15:sldGuideLst xmlns:p15="http://schemas.microsoft.com/office/powerpoint/2012/main"/>
+    </p:ext>
+  </p:extLst>
 </p:presentation>
 </file>
 
@@ -551,26 +556,28 @@
             </a:r>
           </a:p>
           <a:p>
-            <a:r>
-              <a:rPr lang="en-US" dirty="0"/>
-              <a:t>Cache-aside is probably the most widespread caching </a:t>
-            </a:r>
-            <a:r>
-              <a:rPr lang="en-US" dirty="0" err="1"/>
-              <a:t>pattern.</a:t>
-            </a:r>
-            <a:r>
-              <a:rPr lang="en-US" sz="1200" b="0" i="0" kern="1200" dirty="0" err="1">
-                <a:solidFill>
-                  <a:schemeClr val="tx1"/>
-                </a:solidFill>
-                <a:effectLst/>
-                <a:latin typeface="+mn-lt"/>
-                <a:ea typeface="+mn-ea"/>
-                <a:cs typeface="+mn-cs"/>
-              </a:rPr>
-              <a:t>For</a:t>
-            </a:r>
+            <a:endParaRPr lang="en-US" sz="1200" b="0" i="0" kern="1200" dirty="0">
+              <a:solidFill>
+                <a:schemeClr val="tx1"/>
+              </a:solidFill>
+              <a:effectLst/>
+              <a:latin typeface="+mn-lt"/>
+              <a:ea typeface="+mn-ea"/>
+              <a:cs typeface="+mn-cs"/>
+            </a:endParaRPr>
+          </a:p>
+          <a:p>
+            <a:endParaRPr lang="en-US" sz="1200" b="0" i="0" kern="1200" dirty="0">
+              <a:solidFill>
+                <a:schemeClr val="tx1"/>
+              </a:solidFill>
+              <a:effectLst/>
+              <a:latin typeface="+mn-lt"/>
+              <a:ea typeface="+mn-ea"/>
+              <a:cs typeface="+mn-cs"/>
+            </a:endParaRPr>
+          </a:p>
+          <a:p>
             <a:r>
               <a:rPr lang="en-US" sz="1200" b="0" i="0" kern="1200" dirty="0">
                 <a:solidFill>
@@ -581,7 +588,7 @@
                 <a:ea typeface="+mn-ea"/>
                 <a:cs typeface="+mn-cs"/>
               </a:rPr>
-              <a:t> writes, it’s even simpler:</a:t>
+              <a:t>For writes, it’s even simpler:</a:t>
             </a:r>
           </a:p>
           <a:p>
@@ -4883,7 +4890,10 @@
           <a:bodyPr/>
           <a:lstStyle/>
           <a:p>
-            <a:endParaRPr lang="en-US"/>
+            <a:r>
+              <a:rPr lang="en-US" dirty="0"/>
+              <a:t>The Minimum You Need to Know</a:t>
+            </a:r>
           </a:p>
         </p:txBody>
       </p:sp>
